--- a/Final Project/Food_Adulteration_Report.pptx
+++ b/Final Project/Food_Adulteration_Report.pptx
@@ -15131,8 +15131,37 @@
             </a:r>
             <a:r>
               <a:rPr lang="en-IN" dirty="0"/>
-              <a:t> Link of the Project:</a:t>
+              <a:t> Link of the </a:t>
             </a:r>
+            <a:r>
+              <a:rPr lang="en-IN" dirty="0" err="1"/>
+              <a:t>Project:</a:t>
+            </a:r>
+            <a:r>
+              <a:rPr lang="en-IN" dirty="0" err="1">
+                <a:hlinkClick r:id="rId5"/>
+              </a:rPr>
+              <a:t>https</a:t>
+            </a:r>
+            <a:r>
+              <a:rPr lang="en-IN" dirty="0">
+                <a:hlinkClick r:id="rId5"/>
+              </a:rPr>
+              <a:t>://github.com/jessicaGonsalves04/</a:t>
+            </a:r>
+            <a:r>
+              <a:rPr lang="en-IN" dirty="0" err="1">
+                <a:hlinkClick r:id="rId5"/>
+              </a:rPr>
+              <a:t>VOIS_Internship</a:t>
+            </a:r>
+            <a:r>
+              <a:rPr lang="en-IN" dirty="0">
+                <a:hlinkClick r:id="rId5"/>
+              </a:rPr>
+              <a:t>/tree/main/Final%20Project</a:t>
+            </a:r>
+            <a:endParaRPr lang="en-IN" dirty="0"/>
           </a:p>
         </p:txBody>
       </p:sp>
@@ -18386,23 +18415,6 @@
 </file>
 
 <file path=customXml/item1.xml><?xml version="1.0" encoding="utf-8"?>
-<?mso-contentType ?>
-<FormTemplates xmlns="http://schemas.microsoft.com/sharepoint/v3/contenttype/forms">
-  <Display>DocumentLibraryForm</Display>
-  <Edit>DocumentLibraryForm</Edit>
-  <New>DocumentLibraryForm</New>
-</FormTemplates>
-</file>
-
-<file path=customXml/item2.xml><?xml version="1.0" encoding="utf-8"?>
-<p:properties xmlns:p="http://schemas.microsoft.com/office/2006/metadata/properties" xmlns:xsi="http://www.w3.org/2001/XMLSchema-instance" xmlns:pc="http://schemas.microsoft.com/office/infopath/2007/PartnerControls">
-  <documentManagement>
-    <_activity xmlns="b51eec4f-fbc6-45fb-98db-456b975ef646" xsi:nil="true"/>
-  </documentManagement>
-</p:properties>
-</file>
-
-<file path=customXml/item3.xml><?xml version="1.0" encoding="utf-8"?>
 <ct:contentTypeSchema xmlns:ct="http://schemas.microsoft.com/office/2006/metadata/contentType" xmlns:ma="http://schemas.microsoft.com/office/2006/metadata/properties/metaAttributes" ct:_="" ma:_="" ma:contentTypeName="Document" ma:contentTypeID="0x010100399630AFEE6F2444B2C0DB026E528EBC" ma:contentTypeVersion="13" ma:contentTypeDescription="Create a new document." ma:contentTypeScope="" ma:versionID="61e5dad1f30c6a58be9160b5c29acac1">
   <xsd:schema xmlns:xsd="http://www.w3.org/2001/XMLSchema" xmlns:xs="http://www.w3.org/2001/XMLSchema" xmlns:p="http://schemas.microsoft.com/office/2006/metadata/properties" xmlns:ns3="41cd501c-084c-4b4a-849e-19d611a25fb1" xmlns:ns4="b51eec4f-fbc6-45fb-98db-456b975ef646" targetNamespace="http://schemas.microsoft.com/office/2006/metadata/properties" ma:root="true" ma:fieldsID="32d20b34da7f00f8365f7922f8c502f8" ns3:_="" ns4:_="">
     <xsd:import namespace="41cd501c-084c-4b4a-849e-19d611a25fb1"/>
@@ -18623,10 +18635,38 @@
 </ct:contentTypeSchema>
 </file>
 
+<file path=customXml/item2.xml><?xml version="1.0" encoding="utf-8"?>
+<p:properties xmlns:p="http://schemas.microsoft.com/office/2006/metadata/properties" xmlns:xsi="http://www.w3.org/2001/XMLSchema-instance" xmlns:pc="http://schemas.microsoft.com/office/infopath/2007/PartnerControls">
+  <documentManagement>
+    <_activity xmlns="b51eec4f-fbc6-45fb-98db-456b975ef646" xsi:nil="true"/>
+  </documentManagement>
+</p:properties>
+</file>
+
+<file path=customXml/item3.xml><?xml version="1.0" encoding="utf-8"?>
+<?mso-contentType ?>
+<FormTemplates xmlns="http://schemas.microsoft.com/sharepoint/v3/contenttype/forms">
+  <Display>DocumentLibraryForm</Display>
+  <Edit>DocumentLibraryForm</Edit>
+  <New>DocumentLibraryForm</New>
+</FormTemplates>
+</file>
+
 <file path=customXml/itemProps1.xml><?xml version="1.0" encoding="utf-8"?>
-<ds:datastoreItem xmlns:ds="http://schemas.openxmlformats.org/officeDocument/2006/customXml" ds:itemID="{05D99ABA-76CE-4A8E-B5F0-C051B96628DE}">
+<ds:datastoreItem xmlns:ds="http://schemas.openxmlformats.org/officeDocument/2006/customXml" ds:itemID="{C34F9529-0B8A-452B-B32C-FA56A1ED5EF2}">
   <ds:schemaRefs>
-    <ds:schemaRef ds:uri="http://schemas.microsoft.com/sharepoint/v3/contenttype/forms"/>
+    <ds:schemaRef ds:uri="http://schemas.microsoft.com/office/2006/metadata/contentType"/>
+    <ds:schemaRef ds:uri="http://schemas.microsoft.com/office/2006/metadata/properties/metaAttributes"/>
+    <ds:schemaRef ds:uri="http://www.w3.org/2001/XMLSchema"/>
+    <ds:schemaRef ds:uri="http://schemas.microsoft.com/office/2006/metadata/properties"/>
+    <ds:schemaRef ds:uri="41cd501c-084c-4b4a-849e-19d611a25fb1"/>
+    <ds:schemaRef ds:uri="b51eec4f-fbc6-45fb-98db-456b975ef646"/>
+    <ds:schemaRef ds:uri="http://schemas.microsoft.com/office/2006/documentManagement/types"/>
+    <ds:schemaRef ds:uri="http://schemas.microsoft.com/office/infopath/2007/PartnerControls"/>
+    <ds:schemaRef ds:uri="http://schemas.openxmlformats.org/package/2006/metadata/core-properties"/>
+    <ds:schemaRef ds:uri="http://purl.org/dc/elements/1.1/"/>
+    <ds:schemaRef ds:uri="http://purl.org/dc/terms/"/>
+    <ds:schemaRef ds:uri="http://schemas.microsoft.com/internal/obd"/>
   </ds:schemaRefs>
 </ds:datastoreItem>
 </file>
@@ -18649,20 +18689,9 @@
 </file>
 
 <file path=customXml/itemProps3.xml><?xml version="1.0" encoding="utf-8"?>
-<ds:datastoreItem xmlns:ds="http://schemas.openxmlformats.org/officeDocument/2006/customXml" ds:itemID="{C34F9529-0B8A-452B-B32C-FA56A1ED5EF2}">
+<ds:datastoreItem xmlns:ds="http://schemas.openxmlformats.org/officeDocument/2006/customXml" ds:itemID="{05D99ABA-76CE-4A8E-B5F0-C051B96628DE}">
   <ds:schemaRefs>
-    <ds:schemaRef ds:uri="http://schemas.microsoft.com/office/2006/metadata/contentType"/>
-    <ds:schemaRef ds:uri="http://schemas.microsoft.com/office/2006/metadata/properties/metaAttributes"/>
-    <ds:schemaRef ds:uri="http://www.w3.org/2001/XMLSchema"/>
-    <ds:schemaRef ds:uri="http://schemas.microsoft.com/office/2006/metadata/properties"/>
-    <ds:schemaRef ds:uri="41cd501c-084c-4b4a-849e-19d611a25fb1"/>
-    <ds:schemaRef ds:uri="b51eec4f-fbc6-45fb-98db-456b975ef646"/>
-    <ds:schemaRef ds:uri="http://schemas.microsoft.com/office/2006/documentManagement/types"/>
-    <ds:schemaRef ds:uri="http://schemas.microsoft.com/office/infopath/2007/PartnerControls"/>
-    <ds:schemaRef ds:uri="http://schemas.openxmlformats.org/package/2006/metadata/core-properties"/>
-    <ds:schemaRef ds:uri="http://purl.org/dc/elements/1.1/"/>
-    <ds:schemaRef ds:uri="http://purl.org/dc/terms/"/>
-    <ds:schemaRef ds:uri="http://schemas.microsoft.com/internal/obd"/>
+    <ds:schemaRef ds:uri="http://schemas.microsoft.com/sharepoint/v3/contenttype/forms"/>
   </ds:schemaRefs>
 </ds:datastoreItem>
 </file>